--- a/PROYECTO/AUTOMATA.pptx
+++ b/PROYECTO/AUTOMATA.pptx
@@ -245,7 +245,7 @@
           <a:p>
             <a:fld id="{176DE160-F555-4FE6-BA1E-5EBBABB6237D}" type="datetimeFigureOut">
               <a:rPr lang="es-MX" smtClean="0"/>
-              <a:t>18/05/2022</a:t>
+              <a:t>24/05/2022</a:t>
             </a:fld>
             <a:endParaRPr lang="es-MX"/>
           </a:p>
@@ -415,7 +415,7 @@
           <a:p>
             <a:fld id="{176DE160-F555-4FE6-BA1E-5EBBABB6237D}" type="datetimeFigureOut">
               <a:rPr lang="es-MX" smtClean="0"/>
-              <a:t>18/05/2022</a:t>
+              <a:t>24/05/2022</a:t>
             </a:fld>
             <a:endParaRPr lang="es-MX"/>
           </a:p>
@@ -595,7 +595,7 @@
           <a:p>
             <a:fld id="{176DE160-F555-4FE6-BA1E-5EBBABB6237D}" type="datetimeFigureOut">
               <a:rPr lang="es-MX" smtClean="0"/>
-              <a:t>18/05/2022</a:t>
+              <a:t>24/05/2022</a:t>
             </a:fld>
             <a:endParaRPr lang="es-MX"/>
           </a:p>
@@ -765,7 +765,7 @@
           <a:p>
             <a:fld id="{176DE160-F555-4FE6-BA1E-5EBBABB6237D}" type="datetimeFigureOut">
               <a:rPr lang="es-MX" smtClean="0"/>
-              <a:t>18/05/2022</a:t>
+              <a:t>24/05/2022</a:t>
             </a:fld>
             <a:endParaRPr lang="es-MX"/>
           </a:p>
@@ -1009,7 +1009,7 @@
           <a:p>
             <a:fld id="{176DE160-F555-4FE6-BA1E-5EBBABB6237D}" type="datetimeFigureOut">
               <a:rPr lang="es-MX" smtClean="0"/>
-              <a:t>18/05/2022</a:t>
+              <a:t>24/05/2022</a:t>
             </a:fld>
             <a:endParaRPr lang="es-MX"/>
           </a:p>
@@ -1241,7 +1241,7 @@
           <a:p>
             <a:fld id="{176DE160-F555-4FE6-BA1E-5EBBABB6237D}" type="datetimeFigureOut">
               <a:rPr lang="es-MX" smtClean="0"/>
-              <a:t>18/05/2022</a:t>
+              <a:t>24/05/2022</a:t>
             </a:fld>
             <a:endParaRPr lang="es-MX"/>
           </a:p>
@@ -1608,7 +1608,7 @@
           <a:p>
             <a:fld id="{176DE160-F555-4FE6-BA1E-5EBBABB6237D}" type="datetimeFigureOut">
               <a:rPr lang="es-MX" smtClean="0"/>
-              <a:t>18/05/2022</a:t>
+              <a:t>24/05/2022</a:t>
             </a:fld>
             <a:endParaRPr lang="es-MX"/>
           </a:p>
@@ -1726,7 +1726,7 @@
           <a:p>
             <a:fld id="{176DE160-F555-4FE6-BA1E-5EBBABB6237D}" type="datetimeFigureOut">
               <a:rPr lang="es-MX" smtClean="0"/>
-              <a:t>18/05/2022</a:t>
+              <a:t>24/05/2022</a:t>
             </a:fld>
             <a:endParaRPr lang="es-MX"/>
           </a:p>
@@ -1821,7 +1821,7 @@
           <a:p>
             <a:fld id="{176DE160-F555-4FE6-BA1E-5EBBABB6237D}" type="datetimeFigureOut">
               <a:rPr lang="es-MX" smtClean="0"/>
-              <a:t>18/05/2022</a:t>
+              <a:t>24/05/2022</a:t>
             </a:fld>
             <a:endParaRPr lang="es-MX"/>
           </a:p>
@@ -2098,7 +2098,7 @@
           <a:p>
             <a:fld id="{176DE160-F555-4FE6-BA1E-5EBBABB6237D}" type="datetimeFigureOut">
               <a:rPr lang="es-MX" smtClean="0"/>
-              <a:t>18/05/2022</a:t>
+              <a:t>24/05/2022</a:t>
             </a:fld>
             <a:endParaRPr lang="es-MX"/>
           </a:p>
@@ -2355,7 +2355,7 @@
           <a:p>
             <a:fld id="{176DE160-F555-4FE6-BA1E-5EBBABB6237D}" type="datetimeFigureOut">
               <a:rPr lang="es-MX" smtClean="0"/>
-              <a:t>18/05/2022</a:t>
+              <a:t>24/05/2022</a:t>
             </a:fld>
             <a:endParaRPr lang="es-MX"/>
           </a:p>
@@ -2568,7 +2568,7 @@
           <a:p>
             <a:fld id="{176DE160-F555-4FE6-BA1E-5EBBABB6237D}" type="datetimeFigureOut">
               <a:rPr lang="es-MX" smtClean="0"/>
-              <a:t>18/05/2022</a:t>
+              <a:t>24/05/2022</a:t>
             </a:fld>
             <a:endParaRPr lang="es-MX"/>
           </a:p>
@@ -8807,8 +8807,8 @@
           </p:txBody>
         </p:sp>
       </p:grpSp>
-      <mc:AlternateContent xmlns:mc="http://schemas.openxmlformats.org/markup-compatibility/2006">
-        <mc:Choice xmlns:a14="http://schemas.microsoft.com/office/drawing/2010/main" Requires="a14">
+      <mc:AlternateContent xmlns:mc="http://schemas.openxmlformats.org/markup-compatibility/2006" xmlns:a14="http://schemas.microsoft.com/office/drawing/2010/main">
+        <mc:Choice Requires="a14">
           <p:sp>
             <p:nvSpPr>
               <p:cNvPr id="246" name="CuadroTexto 245">
@@ -8858,7 +8858,7 @@
             </p:txBody>
           </p:sp>
         </mc:Choice>
-        <mc:Fallback>
+        <mc:Fallback xmlns="">
           <p:sp>
             <p:nvSpPr>
               <p:cNvPr id="246" name="CuadroTexto 245">
@@ -9076,8 +9076,8 @@
           </p:txBody>
         </p:sp>
       </p:grpSp>
-      <mc:AlternateContent xmlns:mc="http://schemas.openxmlformats.org/markup-compatibility/2006">
-        <mc:Choice xmlns:a14="http://schemas.microsoft.com/office/drawing/2010/main" Requires="a14">
+      <mc:AlternateContent xmlns:mc="http://schemas.openxmlformats.org/markup-compatibility/2006" xmlns:a14="http://schemas.microsoft.com/office/drawing/2010/main">
+        <mc:Choice Requires="a14">
           <p:sp>
             <p:nvSpPr>
               <p:cNvPr id="253" name="CuadroTexto 252">
@@ -9127,7 +9127,7 @@
             </p:txBody>
           </p:sp>
         </mc:Choice>
-        <mc:Fallback>
+        <mc:Fallback xmlns="">
           <p:sp>
             <p:nvSpPr>
               <p:cNvPr id="253" name="CuadroTexto 252">
@@ -9345,8 +9345,8 @@
           </p:txBody>
         </p:sp>
       </p:grpSp>
-      <mc:AlternateContent xmlns:mc="http://schemas.openxmlformats.org/markup-compatibility/2006">
-        <mc:Choice xmlns:a14="http://schemas.microsoft.com/office/drawing/2010/main" Requires="a14">
+      <mc:AlternateContent xmlns:mc="http://schemas.openxmlformats.org/markup-compatibility/2006" xmlns:a14="http://schemas.microsoft.com/office/drawing/2010/main">
+        <mc:Choice Requires="a14">
           <p:sp>
             <p:nvSpPr>
               <p:cNvPr id="258" name="CuadroTexto 257">
@@ -9396,7 +9396,7 @@
             </p:txBody>
           </p:sp>
         </mc:Choice>
-        <mc:Fallback>
+        <mc:Fallback xmlns="">
           <p:sp>
             <p:nvSpPr>
               <p:cNvPr id="258" name="CuadroTexto 257">
@@ -9615,8 +9615,8 @@
           </p:txBody>
         </p:sp>
       </p:grpSp>
-      <mc:AlternateContent xmlns:mc="http://schemas.openxmlformats.org/markup-compatibility/2006">
-        <mc:Choice xmlns:a14="http://schemas.microsoft.com/office/drawing/2010/main" Requires="a14">
+      <mc:AlternateContent xmlns:mc="http://schemas.openxmlformats.org/markup-compatibility/2006" xmlns:a14="http://schemas.microsoft.com/office/drawing/2010/main">
+        <mc:Choice Requires="a14">
           <p:sp>
             <p:nvSpPr>
               <p:cNvPr id="271" name="CuadroTexto 270">
@@ -9666,7 +9666,7 @@
             </p:txBody>
           </p:sp>
         </mc:Choice>
-        <mc:Fallback>
+        <mc:Fallback xmlns="">
           <p:sp>
             <p:nvSpPr>
               <p:cNvPr id="271" name="CuadroTexto 270">
@@ -9884,8 +9884,8 @@
           </p:txBody>
         </p:sp>
       </p:grpSp>
-      <mc:AlternateContent xmlns:mc="http://schemas.openxmlformats.org/markup-compatibility/2006">
-        <mc:Choice xmlns:a14="http://schemas.microsoft.com/office/drawing/2010/main" Requires="a14">
+      <mc:AlternateContent xmlns:mc="http://schemas.openxmlformats.org/markup-compatibility/2006" xmlns:a14="http://schemas.microsoft.com/office/drawing/2010/main">
+        <mc:Choice Requires="a14">
           <p:sp>
             <p:nvSpPr>
               <p:cNvPr id="276" name="CuadroTexto 275">
@@ -9935,7 +9935,7 @@
             </p:txBody>
           </p:sp>
         </mc:Choice>
-        <mc:Fallback>
+        <mc:Fallback xmlns="">
           <p:sp>
             <p:nvSpPr>
               <p:cNvPr id="276" name="CuadroTexto 275">
@@ -10153,8 +10153,8 @@
           </p:txBody>
         </p:sp>
       </p:grpSp>
-      <mc:AlternateContent xmlns:mc="http://schemas.openxmlformats.org/markup-compatibility/2006">
-        <mc:Choice xmlns:a14="http://schemas.microsoft.com/office/drawing/2010/main" Requires="a14">
+      <mc:AlternateContent xmlns:mc="http://schemas.openxmlformats.org/markup-compatibility/2006" xmlns:a14="http://schemas.microsoft.com/office/drawing/2010/main">
+        <mc:Choice Requires="a14">
           <p:sp>
             <p:nvSpPr>
               <p:cNvPr id="281" name="CuadroTexto 280">
@@ -10204,7 +10204,7 @@
             </p:txBody>
           </p:sp>
         </mc:Choice>
-        <mc:Fallback>
+        <mc:Fallback xmlns="">
           <p:sp>
             <p:nvSpPr>
               <p:cNvPr id="281" name="CuadroTexto 280">
@@ -10355,8 +10355,8 @@
           </a:p>
         </p:txBody>
       </p:sp>
-      <mc:AlternateContent xmlns:mc="http://schemas.openxmlformats.org/markup-compatibility/2006">
-        <mc:Choice xmlns:a14="http://schemas.microsoft.com/office/drawing/2010/main" Requires="a14">
+      <mc:AlternateContent xmlns:mc="http://schemas.openxmlformats.org/markup-compatibility/2006" xmlns:a14="http://schemas.microsoft.com/office/drawing/2010/main">
+        <mc:Choice Requires="a14">
           <p:sp>
             <p:nvSpPr>
               <p:cNvPr id="284" name="CuadroTexto 283">
@@ -10406,7 +10406,7 @@
             </p:txBody>
           </p:sp>
         </mc:Choice>
-        <mc:Fallback>
+        <mc:Fallback xmlns="">
           <p:sp>
             <p:nvSpPr>
               <p:cNvPr id="284" name="CuadroTexto 283">
@@ -10583,8 +10583,8 @@
           </p:txBody>
         </p:sp>
       </p:grpSp>
-      <mc:AlternateContent xmlns:mc="http://schemas.openxmlformats.org/markup-compatibility/2006">
-        <mc:Choice xmlns:a14="http://schemas.microsoft.com/office/drawing/2010/main" Requires="a14">
+      <mc:AlternateContent xmlns:mc="http://schemas.openxmlformats.org/markup-compatibility/2006" xmlns:a14="http://schemas.microsoft.com/office/drawing/2010/main">
+        <mc:Choice Requires="a14">
           <p:sp>
             <p:nvSpPr>
               <p:cNvPr id="289" name="CuadroTexto 288">
@@ -10634,7 +10634,7 @@
             </p:txBody>
           </p:sp>
         </mc:Choice>
-        <mc:Fallback>
+        <mc:Fallback xmlns="">
           <p:sp>
             <p:nvSpPr>
               <p:cNvPr id="289" name="CuadroTexto 288">
@@ -10918,8 +10918,8 @@
           </p:txBody>
         </p:sp>
       </p:grpSp>
-      <mc:AlternateContent xmlns:mc="http://schemas.openxmlformats.org/markup-compatibility/2006">
-        <mc:Choice xmlns:a14="http://schemas.microsoft.com/office/drawing/2010/main" Requires="a14">
+      <mc:AlternateContent xmlns:mc="http://schemas.openxmlformats.org/markup-compatibility/2006" xmlns:a14="http://schemas.microsoft.com/office/drawing/2010/main">
+        <mc:Choice Requires="a14">
           <p:sp>
             <p:nvSpPr>
               <p:cNvPr id="299" name="CuadroTexto 298">
@@ -10969,7 +10969,7 @@
             </p:txBody>
           </p:sp>
         </mc:Choice>
-        <mc:Fallback>
+        <mc:Fallback xmlns="">
           <p:sp>
             <p:nvSpPr>
               <p:cNvPr id="299" name="CuadroTexto 298">
@@ -11057,8 +11057,8 @@
           </a:fontRef>
         </p:style>
       </p:cxnSp>
-      <mc:AlternateContent xmlns:mc="http://schemas.openxmlformats.org/markup-compatibility/2006">
-        <mc:Choice xmlns:a14="http://schemas.microsoft.com/office/drawing/2010/main" Requires="a14">
+      <mc:AlternateContent xmlns:mc="http://schemas.openxmlformats.org/markup-compatibility/2006" xmlns:a14="http://schemas.microsoft.com/office/drawing/2010/main">
+        <mc:Choice Requires="a14">
           <p:sp>
             <p:nvSpPr>
               <p:cNvPr id="301" name="CuadroTexto 300">
@@ -11108,7 +11108,7 @@
             </p:txBody>
           </p:sp>
         </mc:Choice>
-        <mc:Fallback>
+        <mc:Fallback xmlns="">
           <p:sp>
             <p:nvSpPr>
               <p:cNvPr id="301" name="CuadroTexto 300">
@@ -11349,8 +11349,8 @@
           </p:txBody>
         </p:sp>
       </p:grpSp>
-      <mc:AlternateContent xmlns:mc="http://schemas.openxmlformats.org/markup-compatibility/2006">
-        <mc:Choice xmlns:a14="http://schemas.microsoft.com/office/drawing/2010/main" Requires="a14">
+      <mc:AlternateContent xmlns:mc="http://schemas.openxmlformats.org/markup-compatibility/2006" xmlns:a14="http://schemas.microsoft.com/office/drawing/2010/main">
+        <mc:Choice Requires="a14">
           <p:sp>
             <p:nvSpPr>
               <p:cNvPr id="307" name="CuadroTexto 306">
@@ -11400,7 +11400,7 @@
             </p:txBody>
           </p:sp>
         </mc:Choice>
-        <mc:Fallback>
+        <mc:Fallback xmlns="">
           <p:sp>
             <p:nvSpPr>
               <p:cNvPr id="307" name="CuadroTexto 306">
@@ -11488,8 +11488,8 @@
           </a:fontRef>
         </p:style>
       </p:cxnSp>
-      <mc:AlternateContent xmlns:mc="http://schemas.openxmlformats.org/markup-compatibility/2006">
-        <mc:Choice xmlns:a14="http://schemas.microsoft.com/office/drawing/2010/main" Requires="a14">
+      <mc:AlternateContent xmlns:mc="http://schemas.openxmlformats.org/markup-compatibility/2006" xmlns:a14="http://schemas.microsoft.com/office/drawing/2010/main">
+        <mc:Choice Requires="a14">
           <p:sp>
             <p:nvSpPr>
               <p:cNvPr id="309" name="CuadroTexto 308">
@@ -11539,7 +11539,7 @@
             </p:txBody>
           </p:sp>
         </mc:Choice>
-        <mc:Fallback>
+        <mc:Fallback xmlns="">
           <p:sp>
             <p:nvSpPr>
               <p:cNvPr id="309" name="CuadroTexto 308">
@@ -11919,8 +11919,8 @@
           </a:fontRef>
         </p:style>
       </p:cxnSp>
-      <mc:AlternateContent xmlns:mc="http://schemas.openxmlformats.org/markup-compatibility/2006">
-        <mc:Choice xmlns:a14="http://schemas.microsoft.com/office/drawing/2010/main" Requires="a14">
+      <mc:AlternateContent xmlns:mc="http://schemas.openxmlformats.org/markup-compatibility/2006" xmlns:a14="http://schemas.microsoft.com/office/drawing/2010/main">
+        <mc:Choice Requires="a14">
           <p:sp>
             <p:nvSpPr>
               <p:cNvPr id="319" name="CuadroTexto 318">
@@ -11970,7 +11970,7 @@
             </p:txBody>
           </p:sp>
         </mc:Choice>
-        <mc:Fallback>
+        <mc:Fallback xmlns="">
           <p:sp>
             <p:nvSpPr>
               <p:cNvPr id="319" name="CuadroTexto 318">
@@ -13247,8 +13247,8 @@
           </a:fontRef>
         </p:style>
       </p:cxnSp>
-      <mc:AlternateContent xmlns:mc="http://schemas.openxmlformats.org/markup-compatibility/2006">
-        <mc:Choice xmlns:a14="http://schemas.microsoft.com/office/drawing/2010/main" Requires="a14">
+      <mc:AlternateContent xmlns:mc="http://schemas.openxmlformats.org/markup-compatibility/2006" xmlns:a14="http://schemas.microsoft.com/office/drawing/2010/main">
+        <mc:Choice Requires="a14">
           <p:sp>
             <p:nvSpPr>
               <p:cNvPr id="376" name="CuadroTexto 375">
@@ -13298,7 +13298,7 @@
             </p:txBody>
           </p:sp>
         </mc:Choice>
-        <mc:Fallback>
+        <mc:Fallback xmlns="">
           <p:sp>
             <p:nvSpPr>
               <p:cNvPr id="376" name="CuadroTexto 375">
@@ -13726,8 +13726,8 @@
           </a:fontRef>
         </p:style>
       </p:cxnSp>
-      <mc:AlternateContent xmlns:mc="http://schemas.openxmlformats.org/markup-compatibility/2006">
-        <mc:Choice xmlns:a14="http://schemas.microsoft.com/office/drawing/2010/main" Requires="a14">
+      <mc:AlternateContent xmlns:mc="http://schemas.openxmlformats.org/markup-compatibility/2006" xmlns:a14="http://schemas.microsoft.com/office/drawing/2010/main">
+        <mc:Choice Requires="a14">
           <p:sp>
             <p:nvSpPr>
               <p:cNvPr id="393" name="CuadroTexto 392">
@@ -13777,7 +13777,7 @@
             </p:txBody>
           </p:sp>
         </mc:Choice>
-        <mc:Fallback>
+        <mc:Fallback xmlns="">
           <p:sp>
             <p:nvSpPr>
               <p:cNvPr id="393" name="CuadroTexto 392">
@@ -14032,8 +14032,8 @@
           </a:p>
         </p:txBody>
       </p:sp>
-      <mc:AlternateContent xmlns:mc="http://schemas.openxmlformats.org/markup-compatibility/2006">
-        <mc:Choice xmlns:a14="http://schemas.microsoft.com/office/drawing/2010/main" Requires="a14">
+      <mc:AlternateContent xmlns:mc="http://schemas.openxmlformats.org/markup-compatibility/2006" xmlns:a14="http://schemas.microsoft.com/office/drawing/2010/main">
+        <mc:Choice Requires="a14">
           <p:sp>
             <p:nvSpPr>
               <p:cNvPr id="409" name="CuadroTexto 408">
@@ -14083,7 +14083,7 @@
             </p:txBody>
           </p:sp>
         </mc:Choice>
-        <mc:Fallback>
+        <mc:Fallback xmlns="">
           <p:sp>
             <p:nvSpPr>
               <p:cNvPr id="409" name="CuadroTexto 408">
@@ -14128,8 +14128,8 @@
           </p:sp>
         </mc:Fallback>
       </mc:AlternateContent>
-      <mc:AlternateContent xmlns:mc="http://schemas.openxmlformats.org/markup-compatibility/2006">
-        <mc:Choice xmlns:a14="http://schemas.microsoft.com/office/drawing/2010/main" Requires="a14">
+      <mc:AlternateContent xmlns:mc="http://schemas.openxmlformats.org/markup-compatibility/2006" xmlns:a14="http://schemas.microsoft.com/office/drawing/2010/main">
+        <mc:Choice Requires="a14">
           <p:sp>
             <p:nvSpPr>
               <p:cNvPr id="410" name="CuadroTexto 409">
@@ -14179,7 +14179,7 @@
             </p:txBody>
           </p:sp>
         </mc:Choice>
-        <mc:Fallback>
+        <mc:Fallback xmlns="">
           <p:sp>
             <p:nvSpPr>
               <p:cNvPr id="410" name="CuadroTexto 409">
@@ -16783,8 +16783,8 @@
           </a:fontRef>
         </p:style>
       </p:cxnSp>
-      <mc:AlternateContent xmlns:mc="http://schemas.openxmlformats.org/markup-compatibility/2006">
-        <mc:Choice xmlns:a14="http://schemas.microsoft.com/office/drawing/2010/main" Requires="a14">
+      <mc:AlternateContent xmlns:mc="http://schemas.openxmlformats.org/markup-compatibility/2006" xmlns:a14="http://schemas.microsoft.com/office/drawing/2010/main">
+        <mc:Choice Requires="a14">
           <p:sp>
             <p:nvSpPr>
               <p:cNvPr id="263" name="CuadroTexto 262">
@@ -16842,7 +16842,7 @@
             </p:txBody>
           </p:sp>
         </mc:Choice>
-        <mc:Fallback>
+        <mc:Fallback xmlns="">
           <p:sp>
             <p:nvSpPr>
               <p:cNvPr id="263" name="CuadroTexto 262">
@@ -16887,8 +16887,8 @@
           </p:sp>
         </mc:Fallback>
       </mc:AlternateContent>
-      <mc:AlternateContent xmlns:mc="http://schemas.openxmlformats.org/markup-compatibility/2006">
-        <mc:Choice xmlns:a14="http://schemas.microsoft.com/office/drawing/2010/main" Requires="a14">
+      <mc:AlternateContent xmlns:mc="http://schemas.openxmlformats.org/markup-compatibility/2006" xmlns:a14="http://schemas.microsoft.com/office/drawing/2010/main">
+        <mc:Choice Requires="a14">
           <p:sp>
             <p:nvSpPr>
               <p:cNvPr id="264" name="CuadroTexto 263">
@@ -16941,7 +16941,7 @@
             </p:txBody>
           </p:sp>
         </mc:Choice>
-        <mc:Fallback>
+        <mc:Fallback xmlns="">
           <p:sp>
             <p:nvSpPr>
               <p:cNvPr id="264" name="CuadroTexto 263">
@@ -16986,8 +16986,8 @@
           </p:sp>
         </mc:Fallback>
       </mc:AlternateContent>
-      <mc:AlternateContent xmlns:mc="http://schemas.openxmlformats.org/markup-compatibility/2006">
-        <mc:Choice xmlns:a14="http://schemas.microsoft.com/office/drawing/2010/main" Requires="a14">
+      <mc:AlternateContent xmlns:mc="http://schemas.openxmlformats.org/markup-compatibility/2006" xmlns:a14="http://schemas.microsoft.com/office/drawing/2010/main">
+        <mc:Choice Requires="a14">
           <p:sp>
             <p:nvSpPr>
               <p:cNvPr id="265" name="CuadroTexto 264">
@@ -17047,7 +17047,7 @@
             </p:txBody>
           </p:sp>
         </mc:Choice>
-        <mc:Fallback>
+        <mc:Fallback xmlns="">
           <p:sp>
             <p:nvSpPr>
               <p:cNvPr id="265" name="CuadroTexto 264">
@@ -17092,8 +17092,8 @@
           </p:sp>
         </mc:Fallback>
       </mc:AlternateContent>
-      <mc:AlternateContent xmlns:mc="http://schemas.openxmlformats.org/markup-compatibility/2006">
-        <mc:Choice xmlns:a14="http://schemas.microsoft.com/office/drawing/2010/main" Requires="a14">
+      <mc:AlternateContent xmlns:mc="http://schemas.openxmlformats.org/markup-compatibility/2006" xmlns:a14="http://schemas.microsoft.com/office/drawing/2010/main">
+        <mc:Choice Requires="a14">
           <p:sp>
             <p:nvSpPr>
               <p:cNvPr id="266" name="CuadroTexto 265">
@@ -17153,7 +17153,7 @@
             </p:txBody>
           </p:sp>
         </mc:Choice>
-        <mc:Fallback>
+        <mc:Fallback xmlns="">
           <p:sp>
             <p:nvSpPr>
               <p:cNvPr id="266" name="CuadroTexto 265">
@@ -17282,8 +17282,8 @@
           </a:fontRef>
         </p:style>
       </p:cxnSp>
-      <mc:AlternateContent xmlns:mc="http://schemas.openxmlformats.org/markup-compatibility/2006">
-        <mc:Choice xmlns:a14="http://schemas.microsoft.com/office/drawing/2010/main" Requires="a14">
+      <mc:AlternateContent xmlns:mc="http://schemas.openxmlformats.org/markup-compatibility/2006" xmlns:a14="http://schemas.microsoft.com/office/drawing/2010/main">
+        <mc:Choice Requires="a14">
           <p:sp>
             <p:nvSpPr>
               <p:cNvPr id="292" name="CuadroTexto 291">
@@ -17343,7 +17343,7 @@
             </p:txBody>
           </p:sp>
         </mc:Choice>
-        <mc:Fallback>
+        <mc:Fallback xmlns="">
           <p:sp>
             <p:nvSpPr>
               <p:cNvPr id="292" name="CuadroTexto 291">
@@ -17388,8 +17388,8 @@
           </p:sp>
         </mc:Fallback>
       </mc:AlternateContent>
-      <mc:AlternateContent xmlns:mc="http://schemas.openxmlformats.org/markup-compatibility/2006">
-        <mc:Choice xmlns:a14="http://schemas.microsoft.com/office/drawing/2010/main" Requires="a14">
+      <mc:AlternateContent xmlns:mc="http://schemas.openxmlformats.org/markup-compatibility/2006" xmlns:a14="http://schemas.microsoft.com/office/drawing/2010/main">
+        <mc:Choice Requires="a14">
           <p:sp>
             <p:nvSpPr>
               <p:cNvPr id="293" name="CuadroTexto 292">
@@ -17449,7 +17449,7 @@
             </p:txBody>
           </p:sp>
         </mc:Choice>
-        <mc:Fallback>
+        <mc:Fallback xmlns="">
           <p:sp>
             <p:nvSpPr>
               <p:cNvPr id="293" name="CuadroTexto 292">
@@ -17494,8 +17494,8 @@
           </p:sp>
         </mc:Fallback>
       </mc:AlternateContent>
-      <mc:AlternateContent xmlns:mc="http://schemas.openxmlformats.org/markup-compatibility/2006">
-        <mc:Choice xmlns:a14="http://schemas.microsoft.com/office/drawing/2010/main" Requires="a14">
+      <mc:AlternateContent xmlns:mc="http://schemas.openxmlformats.org/markup-compatibility/2006" xmlns:a14="http://schemas.microsoft.com/office/drawing/2010/main">
+        <mc:Choice Requires="a14">
           <p:sp>
             <p:nvSpPr>
               <p:cNvPr id="295" name="CuadroTexto 294">
@@ -17545,7 +17545,7 @@
             </p:txBody>
           </p:sp>
         </mc:Choice>
-        <mc:Fallback>
+        <mc:Fallback xmlns="">
           <p:sp>
             <p:nvSpPr>
               <p:cNvPr id="295" name="CuadroTexto 294">
@@ -17764,8 +17764,8 @@
           </a:fontRef>
         </p:style>
       </p:cxnSp>
-      <mc:AlternateContent xmlns:mc="http://schemas.openxmlformats.org/markup-compatibility/2006">
-        <mc:Choice xmlns:a14="http://schemas.microsoft.com/office/drawing/2010/main" Requires="a14">
+      <mc:AlternateContent xmlns:mc="http://schemas.openxmlformats.org/markup-compatibility/2006" xmlns:a14="http://schemas.microsoft.com/office/drawing/2010/main">
+        <mc:Choice Requires="a14">
           <p:sp>
             <p:nvSpPr>
               <p:cNvPr id="325" name="CuadroTexto 324">
@@ -17825,7 +17825,7 @@
             </p:txBody>
           </p:sp>
         </mc:Choice>
-        <mc:Fallback>
+        <mc:Fallback xmlns="">
           <p:sp>
             <p:nvSpPr>
               <p:cNvPr id="325" name="CuadroTexto 324">
@@ -18212,8 +18212,8 @@
           </a:fontRef>
         </p:style>
       </p:cxnSp>
-      <mc:AlternateContent xmlns:mc="http://schemas.openxmlformats.org/markup-compatibility/2006">
-        <mc:Choice xmlns:a14="http://schemas.microsoft.com/office/drawing/2010/main" Requires="a14">
+      <mc:AlternateContent xmlns:mc="http://schemas.openxmlformats.org/markup-compatibility/2006" xmlns:a14="http://schemas.microsoft.com/office/drawing/2010/main">
+        <mc:Choice Requires="a14">
           <p:sp>
             <p:nvSpPr>
               <p:cNvPr id="335" name="CuadroTexto 334">
@@ -18273,7 +18273,7 @@
             </p:txBody>
           </p:sp>
         </mc:Choice>
-        <mc:Fallback>
+        <mc:Fallback xmlns="">
           <p:sp>
             <p:nvSpPr>
               <p:cNvPr id="335" name="CuadroTexto 334">
@@ -18425,8 +18425,8 @@
           </a:fontRef>
         </p:style>
       </p:cxnSp>
-      <mc:AlternateContent xmlns:mc="http://schemas.openxmlformats.org/markup-compatibility/2006">
-        <mc:Choice xmlns:a14="http://schemas.microsoft.com/office/drawing/2010/main" Requires="a14">
+      <mc:AlternateContent xmlns:mc="http://schemas.openxmlformats.org/markup-compatibility/2006" xmlns:a14="http://schemas.microsoft.com/office/drawing/2010/main">
+        <mc:Choice Requires="a14">
           <p:sp>
             <p:nvSpPr>
               <p:cNvPr id="338" name="CuadroTexto 337">
@@ -18476,7 +18476,7 @@
             </p:txBody>
           </p:sp>
         </mc:Choice>
-        <mc:Fallback>
+        <mc:Fallback xmlns="">
           <p:sp>
             <p:nvSpPr>
               <p:cNvPr id="338" name="CuadroTexto 337">
@@ -18563,8 +18563,8 @@
           </a:fontRef>
         </p:style>
       </p:cxnSp>
-      <mc:AlternateContent xmlns:mc="http://schemas.openxmlformats.org/markup-compatibility/2006">
-        <mc:Choice xmlns:a14="http://schemas.microsoft.com/office/drawing/2010/main" Requires="a14">
+      <mc:AlternateContent xmlns:mc="http://schemas.openxmlformats.org/markup-compatibility/2006" xmlns:a14="http://schemas.microsoft.com/office/drawing/2010/main">
+        <mc:Choice Requires="a14">
           <p:sp>
             <p:nvSpPr>
               <p:cNvPr id="340" name="CuadroTexto 339">
@@ -18624,7 +18624,7 @@
             </p:txBody>
           </p:sp>
         </mc:Choice>
-        <mc:Fallback>
+        <mc:Fallback xmlns="">
           <p:sp>
             <p:nvSpPr>
               <p:cNvPr id="340" name="CuadroTexto 339">
@@ -19797,14 +19797,12 @@
           </a:bodyPr>
           <a:lstStyle/>
           <a:p>
-            <a:pPr/>
             <a:r>
               <a:rPr lang="es-MX" sz="500" dirty="0"/>
               <a:t>Espacio, </a:t>
             </a:r>
           </a:p>
           <a:p>
-            <a:pPr/>
             <a:r>
               <a:rPr lang="es-MX" sz="500" dirty="0"/>
               <a:t>salto de línea</a:t>
@@ -20015,14 +20013,12 @@
           </a:bodyPr>
           <a:lstStyle/>
           <a:p>
-            <a:pPr/>
             <a:r>
               <a:rPr lang="es-MX" sz="500" dirty="0"/>
               <a:t>Espacio, </a:t>
             </a:r>
           </a:p>
           <a:p>
-            <a:pPr/>
             <a:r>
               <a:rPr lang="es-MX" sz="500" dirty="0"/>
               <a:t>salto de línea</a:t>
@@ -20233,14 +20229,12 @@
           </a:bodyPr>
           <a:lstStyle/>
           <a:p>
-            <a:pPr/>
             <a:r>
               <a:rPr lang="es-MX" sz="500" dirty="0"/>
               <a:t>Espacio, </a:t>
             </a:r>
           </a:p>
           <a:p>
-            <a:pPr/>
             <a:r>
               <a:rPr lang="es-MX" sz="500" dirty="0"/>
               <a:t>salto de línea</a:t>
@@ -20248,6 +20242,222 @@
           </a:p>
         </p:txBody>
       </p:sp>
+      <p:cxnSp>
+        <p:nvCxnSpPr>
+          <p:cNvPr id="404" name="Conector: angular 403">
+            <a:extLst>
+              <a:ext uri="{FF2B5EF4-FFF2-40B4-BE49-F238E27FC236}">
+                <a16:creationId xmlns:a16="http://schemas.microsoft.com/office/drawing/2014/main" id="{C7F14D04-401A-8FC0-2A08-E484E4DAB35C}"/>
+              </a:ext>
+            </a:extLst>
+          </p:cNvPr>
+          <p:cNvCxnSpPr>
+            <a:cxnSpLocks/>
+            <a:stCxn id="345" idx="4"/>
+            <a:endCxn id="407" idx="2"/>
+          </p:cNvCxnSpPr>
+          <p:nvPr/>
+        </p:nvCxnSpPr>
+        <p:spPr>
+          <a:xfrm rot="16200000" flipH="1">
+            <a:off x="4198366" y="10190041"/>
+            <a:ext cx="289470" cy="969894"/>
+          </a:xfrm>
+          <a:prstGeom prst="bentConnector2">
+            <a:avLst/>
+          </a:prstGeom>
+          <a:ln>
+            <a:tailEnd type="triangle"/>
+          </a:ln>
+        </p:spPr>
+        <p:style>
+          <a:lnRef idx="3">
+            <a:schemeClr val="dk1"/>
+          </a:lnRef>
+          <a:fillRef idx="0">
+            <a:schemeClr val="dk1"/>
+          </a:fillRef>
+          <a:effectRef idx="2">
+            <a:schemeClr val="dk1"/>
+          </a:effectRef>
+          <a:fontRef idx="minor">
+            <a:schemeClr val="tx1"/>
+          </a:fontRef>
+        </p:style>
+      </p:cxnSp>
+      <p:sp>
+        <p:nvSpPr>
+          <p:cNvPr id="405" name="CuadroTexto 404">
+            <a:extLst>
+              <a:ext uri="{FF2B5EF4-FFF2-40B4-BE49-F238E27FC236}">
+                <a16:creationId xmlns:a16="http://schemas.microsoft.com/office/drawing/2014/main" id="{4213B42D-D84B-DFD0-20E6-6FB8146E7C40}"/>
+              </a:ext>
+            </a:extLst>
+          </p:cNvPr>
+          <p:cNvSpPr txBox="1"/>
+          <p:nvPr/>
+        </p:nvSpPr>
+        <p:spPr>
+          <a:xfrm>
+            <a:off x="4068824" y="10535172"/>
+            <a:ext cx="529312" cy="246221"/>
+          </a:xfrm>
+          <a:prstGeom prst="rect">
+            <a:avLst/>
+          </a:prstGeom>
+          <a:noFill/>
+        </p:spPr>
+        <p:txBody>
+          <a:bodyPr wrap="none" rtlCol="0">
+            <a:spAutoFit/>
+          </a:bodyPr>
+          <a:lstStyle/>
+          <a:p>
+            <a:r>
+              <a:rPr lang="es-MX" sz="500" dirty="0"/>
+              <a:t>Espacio, </a:t>
+            </a:r>
+          </a:p>
+          <a:p>
+            <a:r>
+              <a:rPr lang="es-MX" sz="500" dirty="0"/>
+              <a:t>salto de línea</a:t>
+            </a:r>
+          </a:p>
+        </p:txBody>
+      </p:sp>
+      <p:grpSp>
+        <p:nvGrpSpPr>
+          <p:cNvPr id="406" name="Grupo 405">
+            <a:extLst>
+              <a:ext uri="{FF2B5EF4-FFF2-40B4-BE49-F238E27FC236}">
+                <a16:creationId xmlns:a16="http://schemas.microsoft.com/office/drawing/2014/main" id="{B404CCA2-01BE-0B29-634E-14293413F450}"/>
+              </a:ext>
+            </a:extLst>
+          </p:cNvPr>
+          <p:cNvGrpSpPr/>
+          <p:nvPr/>
+        </p:nvGrpSpPr>
+        <p:grpSpPr>
+          <a:xfrm>
+            <a:off x="4828048" y="10651888"/>
+            <a:ext cx="555105" cy="335670"/>
+            <a:chOff x="6177998" y="943816"/>
+            <a:chExt cx="678613" cy="596747"/>
+          </a:xfrm>
+          <a:solidFill>
+            <a:srgbClr val="002060"/>
+          </a:solidFill>
+        </p:grpSpPr>
+        <p:sp>
+          <p:nvSpPr>
+            <p:cNvPr id="407" name="Elipse 406">
+              <a:extLst>
+                <a:ext uri="{FF2B5EF4-FFF2-40B4-BE49-F238E27FC236}">
+                  <a16:creationId xmlns:a16="http://schemas.microsoft.com/office/drawing/2014/main" id="{BCFF392A-0DC7-85A7-0441-64C0F0D02CD5}"/>
+                </a:ext>
+              </a:extLst>
+            </p:cNvPr>
+            <p:cNvSpPr/>
+            <p:nvPr/>
+          </p:nvSpPr>
+          <p:spPr>
+            <a:xfrm>
+              <a:off x="6177998" y="943816"/>
+              <a:ext cx="678613" cy="596747"/>
+            </a:xfrm>
+            <a:prstGeom prst="ellipse">
+              <a:avLst/>
+            </a:prstGeom>
+            <a:grpFill/>
+            <a:ln>
+              <a:solidFill>
+                <a:schemeClr val="tx1"/>
+              </a:solidFill>
+            </a:ln>
+          </p:spPr>
+          <p:style>
+            <a:lnRef idx="2">
+              <a:schemeClr val="accent1">
+                <a:shade val="50000"/>
+              </a:schemeClr>
+            </a:lnRef>
+            <a:fillRef idx="1">
+              <a:schemeClr val="accent1"/>
+            </a:fillRef>
+            <a:effectRef idx="0">
+              <a:schemeClr val="accent1"/>
+            </a:effectRef>
+            <a:fontRef idx="minor">
+              <a:schemeClr val="lt1"/>
+            </a:fontRef>
+          </p:style>
+          <p:txBody>
+            <a:bodyPr rtlCol="0" anchor="ctr"/>
+            <a:lstStyle/>
+            <a:p>
+              <a:pPr algn="ctr"/>
+              <a:endParaRPr lang="es-MX" sz="563" b="1" dirty="0"/>
+            </a:p>
+          </p:txBody>
+        </p:sp>
+        <p:sp>
+          <p:nvSpPr>
+            <p:cNvPr id="408" name="Elipse 407">
+              <a:extLst>
+                <a:ext uri="{FF2B5EF4-FFF2-40B4-BE49-F238E27FC236}">
+                  <a16:creationId xmlns:a16="http://schemas.microsoft.com/office/drawing/2014/main" id="{DDD48412-C5C4-B5E3-F95A-FE697F137BB7}"/>
+                </a:ext>
+              </a:extLst>
+            </p:cNvPr>
+            <p:cNvSpPr/>
+            <p:nvPr/>
+          </p:nvSpPr>
+          <p:spPr>
+            <a:xfrm>
+              <a:off x="6260337" y="982169"/>
+              <a:ext cx="513934" cy="520039"/>
+            </a:xfrm>
+            <a:prstGeom prst="ellipse">
+              <a:avLst/>
+            </a:prstGeom>
+            <a:grpFill/>
+            <a:ln>
+              <a:solidFill>
+                <a:schemeClr val="tx1"/>
+              </a:solidFill>
+            </a:ln>
+          </p:spPr>
+          <p:style>
+            <a:lnRef idx="2">
+              <a:schemeClr val="accent1">
+                <a:shade val="50000"/>
+              </a:schemeClr>
+            </a:lnRef>
+            <a:fillRef idx="1">
+              <a:schemeClr val="accent1"/>
+            </a:fillRef>
+            <a:effectRef idx="0">
+              <a:schemeClr val="accent1"/>
+            </a:effectRef>
+            <a:fontRef idx="minor">
+              <a:schemeClr val="lt1"/>
+            </a:fontRef>
+          </p:style>
+          <p:txBody>
+            <a:bodyPr rtlCol="0" anchor="ctr"/>
+            <a:lstStyle/>
+            <a:p>
+              <a:pPr algn="ctr"/>
+              <a:r>
+                <a:rPr lang="es-ES" sz="563" b="1" dirty="0"/>
+                <a:t>130</a:t>
+              </a:r>
+              <a:endParaRPr lang="es-MX" sz="563" b="1" dirty="0"/>
+            </a:p>
+          </p:txBody>
+        </p:sp>
+      </p:grpSp>
     </p:spTree>
     <p:extLst>
       <p:ext uri="{BB962C8B-B14F-4D97-AF65-F5344CB8AC3E}">
